--- a/eece3170/sp16/lectures/eece.3170sp16_lec8_mul_div.pptx
+++ b/eece3170/sp16/lectures/eece.3170sp16_lec8_mul_div.pptx
@@ -1326,7 +1326,7 @@
           <a:p>
             <a:fld id="{D7B5E693-7558-6B46-9B8B-E1962A2003ED}" type="datetime1">
               <a:rPr lang="en-US" smtClean="0"/>
-              <a:t>2/3/16</a:t>
+              <a:t>2/9/16</a:t>
             </a:fld>
             <a:endParaRPr lang="en-US"/>
           </a:p>
@@ -1523,7 +1523,7 @@
           <a:p>
             <a:fld id="{5175B416-B094-1942-B4AE-08026131C6D9}" type="datetime1">
               <a:rPr lang="en-US" smtClean="0"/>
-              <a:t>2/3/16</a:t>
+              <a:t>2/9/16</a:t>
             </a:fld>
             <a:endParaRPr lang="en-US"/>
           </a:p>
@@ -1729,7 +1729,7 @@
           <a:p>
             <a:fld id="{2C69E425-74E9-2F49-AD2B-06A9E9EDF943}" type="datetime1">
               <a:rPr lang="en-US" smtClean="0"/>
-              <a:t>2/3/16</a:t>
+              <a:t>2/9/16</a:t>
             </a:fld>
             <a:endParaRPr lang="en-US"/>
           </a:p>
@@ -1992,7 +1992,7 @@
           <a:p>
             <a:fld id="{7D92956D-DAFC-054B-8BF4-164675F40067}" type="datetime1">
               <a:rPr lang="en-US" smtClean="0"/>
-              <a:t>2/3/16</a:t>
+              <a:t>2/9/16</a:t>
             </a:fld>
             <a:endParaRPr lang="en-US"/>
           </a:p>
@@ -2255,7 +2255,7 @@
           <a:p>
             <a:fld id="{6AD48CA3-7131-6346-8BA2-3ADA502B817D}" type="datetime1">
               <a:rPr lang="en-US" smtClean="0"/>
-              <a:t>2/3/16</a:t>
+              <a:t>2/9/16</a:t>
             </a:fld>
             <a:endParaRPr lang="en-US"/>
           </a:p>
@@ -2451,7 +2451,7 @@
           <a:p>
             <a:fld id="{D8B2D225-6DB9-064C-9CE7-56E0859350DC}" type="datetime1">
               <a:rPr lang="en-US" smtClean="0"/>
-              <a:t>2/3/16</a:t>
+              <a:t>2/9/16</a:t>
             </a:fld>
             <a:endParaRPr lang="en-US"/>
           </a:p>
@@ -2669,7 +2669,7 @@
           <a:p>
             <a:fld id="{D0A0AF25-68A6-754C-A3B0-C00A47F919E7}" type="datetime1">
               <a:rPr lang="en-US" smtClean="0"/>
-              <a:t>2/3/16</a:t>
+              <a:t>2/9/16</a:t>
             </a:fld>
             <a:endParaRPr lang="en-US"/>
           </a:p>
@@ -2983,7 +2983,7 @@
           <a:p>
             <a:fld id="{90B7562C-3618-1E4D-AE46-BEA4804C1C2C}" type="datetime1">
               <a:rPr lang="en-US" smtClean="0"/>
-              <a:t>2/3/16</a:t>
+              <a:t>2/9/16</a:t>
             </a:fld>
             <a:endParaRPr lang="en-US"/>
           </a:p>
@@ -3436,7 +3436,7 @@
           <a:p>
             <a:fld id="{C8517551-06B8-0A4D-9846-373CCB18A74B}" type="datetime1">
               <a:rPr lang="en-US" smtClean="0"/>
-              <a:t>2/3/16</a:t>
+              <a:t>2/9/16</a:t>
             </a:fld>
             <a:endParaRPr lang="en-US"/>
           </a:p>
@@ -3580,7 +3580,7 @@
           <a:p>
             <a:fld id="{C787506F-3D1A-AE47-BFEE-47C3FB72CC3C}" type="datetime1">
               <a:rPr lang="en-US" smtClean="0"/>
-              <a:t>2/3/16</a:t>
+              <a:t>2/9/16</a:t>
             </a:fld>
             <a:endParaRPr lang="en-US"/>
           </a:p>
@@ -3701,7 +3701,7 @@
           <a:p>
             <a:fld id="{CE8664EB-3082-3E45-A39D-200FE3E7A3BD}" type="datetime1">
               <a:rPr lang="en-US" smtClean="0"/>
-              <a:t>2/3/16</a:t>
+              <a:t>2/9/16</a:t>
             </a:fld>
             <a:endParaRPr lang="en-US"/>
           </a:p>
@@ -4004,7 +4004,7 @@
           <a:p>
             <a:fld id="{242B03E7-C8D9-A145-BA10-467DDAAE77E0}" type="datetime1">
               <a:rPr lang="en-US" smtClean="0"/>
-              <a:t>2/3/16</a:t>
+              <a:t>2/9/16</a:t>
             </a:fld>
             <a:endParaRPr lang="en-US"/>
           </a:p>
@@ -4284,7 +4284,7 @@
           <a:p>
             <a:fld id="{CC73D0A7-6212-9C4B-A3B6-AE80EBC3D1E3}" type="datetime1">
               <a:rPr lang="en-US" smtClean="0"/>
-              <a:t>2/3/16</a:t>
+              <a:t>2/9/16</a:t>
             </a:fld>
             <a:endParaRPr lang="en-US"/>
           </a:p>
@@ -4583,7 +4583,7 @@
           <a:p>
             <a:fld id="{2C379A15-8CC3-8640-94A1-1339A3F13280}" type="datetime1">
               <a:rPr lang="en-US" smtClean="0"/>
-              <a:t>2/3/16</a:t>
+              <a:t>2/9/16</a:t>
             </a:fld>
             <a:endParaRPr lang="en-US"/>
           </a:p>
@@ -6132,7 +6132,7 @@
               <a:rPr lang="en-US" smtClean="0">
                 <a:latin typeface="Garamond" charset="0"/>
               </a:rPr>
-              <a:t>2/3/16</a:t>
+              <a:t>2/9/16</a:t>
             </a:fld>
             <a:endParaRPr lang="en-US">
               <a:latin typeface="Garamond" charset="0"/>
@@ -6424,7 +6424,7 @@
             <a:pPr lvl="1"/>
             <a:r>
               <a:rPr lang="en-US" dirty="0"/>
-              <a:t>HW 3 to be posted; due 1:00 PM, Friday, 2/12</a:t>
+              <a:t>HW 3 to be posted; due 1:00 PM, Tuesday, 2/16</a:t>
             </a:r>
           </a:p>
           <a:p>
@@ -6442,15 +6442,27 @@
           <a:p>
             <a:pPr lvl="1"/>
             <a:r>
+              <a:rPr lang="en-US"/>
+              <a:t>Exam 1: </a:t>
+            </a:r>
+            <a:r>
+              <a:rPr lang="en-US" b="1">
+                <a:solidFill>
+                  <a:srgbClr val="FF0000"/>
+                </a:solidFill>
+              </a:rPr>
+              <a:t>Friday, 2/19</a:t>
+            </a:r>
+          </a:p>
+          <a:p>
+            <a:pPr lvl="2"/>
+            <a:r>
+              <a:rPr lang="en-US" smtClean="0"/>
+              <a:t>Allowed </a:t>
+            </a:r>
+            <a:r>
               <a:rPr lang="en-US" dirty="0"/>
-              <a:t>Exam 1: Wednesday, 2/17</a:t>
-            </a:r>
-          </a:p>
-          <a:p>
-            <a:pPr lvl="2"/>
-            <a:r>
-              <a:rPr lang="en-US" dirty="0"/>
-              <a:t>Allowed calculator, one double-sided 8.5” x 11” note sheet</a:t>
+              <a:t>calculator, one double-sided 8.5” x 11” note sheet</a:t>
             </a:r>
           </a:p>
           <a:p>
@@ -6597,7 +6609,7 @@
               <a:rPr lang="en-US" smtClean="0">
                 <a:latin typeface="Garamond" charset="0"/>
               </a:rPr>
-              <a:t>2/3/16</a:t>
+              <a:t>2/9/16</a:t>
             </a:fld>
             <a:endParaRPr lang="en-US">
               <a:latin typeface="Garamond" charset="0"/>
@@ -6856,19 +6868,32 @@
             <a:pPr lvl="1"/>
             <a:r>
               <a:rPr lang="en-US" dirty="0" smtClean="0"/>
-              <a:t>HW 2 </a:t>
-            </a:r>
+              <a:t>HW 2 due 1:00 PM today</a:t>
+            </a:r>
+          </a:p>
+          <a:p>
+            <a:pPr lvl="1"/>
             <a:r>
               <a:rPr lang="en-US" dirty="0" smtClean="0"/>
-              <a:t>due 1:00 PM today</a:t>
-            </a:r>
-          </a:p>
-          <a:p>
-            <a:pPr lvl="1"/>
+              <a:t>HW 3 to be posted; due 1:00 PM, </a:t>
+            </a:r>
             <a:r>
               <a:rPr lang="en-US" dirty="0" smtClean="0"/>
-              <a:t>HW 3 to be posted; due 1:00 PM, Friday, 2/12</a:t>
-            </a:r>
+              <a:t>Tuesday</a:t>
+            </a:r>
+            <a:r>
+              <a:rPr lang="en-US" dirty="0" smtClean="0"/>
+              <a:t>, </a:t>
+            </a:r>
+            <a:r>
+              <a:rPr lang="en-US" dirty="0" smtClean="0"/>
+              <a:t>2/</a:t>
+            </a:r>
+            <a:r>
+              <a:rPr lang="en-US" dirty="0" smtClean="0"/>
+              <a:t>16</a:t>
+            </a:r>
+            <a:endParaRPr lang="en-US" dirty="0" smtClean="0"/>
           </a:p>
           <a:p>
             <a:pPr lvl="2"/>
@@ -6886,13 +6911,37 @@
             <a:pPr lvl="1"/>
             <a:r>
               <a:rPr lang="en-US" dirty="0" smtClean="0"/>
-              <a:t>Exam 1: Wednesday, </a:t>
-            </a:r>
-            <a:r>
-              <a:rPr lang="en-US" dirty="0" smtClean="0"/>
-              <a:t>2/17</a:t>
-            </a:r>
-            <a:endParaRPr lang="en-US" dirty="0" smtClean="0"/>
+              <a:t>Exam 1: </a:t>
+            </a:r>
+            <a:r>
+              <a:rPr lang="en-US" b="1" dirty="0" smtClean="0">
+                <a:solidFill>
+                  <a:srgbClr val="FF0000"/>
+                </a:solidFill>
+              </a:rPr>
+              <a:t>Friday, </a:t>
+            </a:r>
+            <a:r>
+              <a:rPr lang="en-US" b="1" dirty="0" smtClean="0">
+                <a:solidFill>
+                  <a:srgbClr val="FF0000"/>
+                </a:solidFill>
+              </a:rPr>
+              <a:t>2/</a:t>
+            </a:r>
+            <a:r>
+              <a:rPr lang="en-US" b="1" dirty="0" smtClean="0">
+                <a:solidFill>
+                  <a:srgbClr val="FF0000"/>
+                </a:solidFill>
+              </a:rPr>
+              <a:t>19</a:t>
+            </a:r>
+            <a:endParaRPr lang="en-US" b="1" dirty="0" smtClean="0">
+              <a:solidFill>
+                <a:srgbClr val="FF0000"/>
+              </a:solidFill>
+            </a:endParaRPr>
           </a:p>
           <a:p>
             <a:pPr lvl="2"/>
@@ -7068,7 +7117,7 @@
           <a:p>
             <a:fld id="{3B100BD0-1183-3C44-8315-CBD84DDA42E4}" type="datetime1">
               <a:rPr lang="en-US" smtClean="0"/>
-              <a:t>2/3/16</a:t>
+              <a:t>2/9/16</a:t>
             </a:fld>
             <a:endParaRPr lang="en-US"/>
           </a:p>
@@ -7494,7 +7543,7 @@
               <a:rPr lang="en-US" smtClean="0">
                 <a:latin typeface="Garamond" charset="0"/>
               </a:rPr>
-              <a:t>2/3/16</a:t>
+              <a:t>2/9/16</a:t>
             </a:fld>
             <a:endParaRPr lang="en-US">
               <a:latin typeface="Garamond" charset="0"/>
@@ -7956,7 +8005,7 @@
               <a:rPr lang="en-US" smtClean="0">
                 <a:latin typeface="Garamond" charset="0"/>
               </a:rPr>
-              <a:t>2/3/16</a:t>
+              <a:t>2/9/16</a:t>
             </a:fld>
             <a:endParaRPr lang="en-US">
               <a:latin typeface="Garamond" charset="0"/>
@@ -8382,7 +8431,7 @@
               <a:rPr lang="en-US" smtClean="0">
                 <a:latin typeface="Garamond" charset="0"/>
               </a:rPr>
-              <a:t>2/3/16</a:t>
+              <a:t>2/9/16</a:t>
             </a:fld>
             <a:endParaRPr lang="en-US">
               <a:latin typeface="Garamond" charset="0"/>
@@ -8858,7 +8907,7 @@
               <a:rPr lang="en-US" smtClean="0">
                 <a:latin typeface="Garamond" charset="0"/>
               </a:rPr>
-              <a:t>2/3/16</a:t>
+              <a:t>2/9/16</a:t>
             </a:fld>
             <a:endParaRPr lang="en-US">
               <a:latin typeface="Garamond" charset="0"/>
@@ -9528,7 +9577,7 @@
               <a:rPr lang="en-US" smtClean="0">
                 <a:latin typeface="Garamond" charset="0"/>
               </a:rPr>
-              <a:t>2/3/16</a:t>
+              <a:t>2/9/16</a:t>
             </a:fld>
             <a:endParaRPr lang="en-US">
               <a:latin typeface="Garamond" charset="0"/>
@@ -10040,7 +10089,7 @@
               <a:rPr lang="en-US" smtClean="0">
                 <a:latin typeface="Garamond" charset="0"/>
               </a:rPr>
-              <a:t>2/3/16</a:t>
+              <a:t>2/9/16</a:t>
             </a:fld>
             <a:endParaRPr lang="en-US">
               <a:latin typeface="Garamond" charset="0"/>
@@ -10837,7 +10886,7 @@
               <a:rPr lang="en-US" smtClean="0">
                 <a:latin typeface="Garamond" charset="0"/>
               </a:rPr>
-              <a:t>2/3/16</a:t>
+              <a:t>2/9/16</a:t>
             </a:fld>
             <a:endParaRPr lang="en-US">
               <a:latin typeface="Garamond" charset="0"/>
